--- a/resources/特力找幫手企畫書 V1.0.pptx
+++ b/resources/特力找幫手企畫書 V1.0.pptx
@@ -214,7 +214,8 @@
           <a:p>
             <a:fld id="{6FBA1684-5033-4018-8772-3A2369757BC2}" type="datetimeFigureOut">
               <a:rPr lang="zh-TW" altLang="en-US" smtClean="0"/>
-              <a:t>2015/11/4</a:t>
+              <a:pPr/>
+              <a:t>2015/11/16</a:t>
             </a:fld>
             <a:endParaRPr lang="zh-TW" altLang="en-US"/>
           </a:p>
@@ -375,6 +376,7 @@
           <a:p>
             <a:fld id="{12A694A2-E0FE-4DF7-B85A-6BE466A27C03}" type="slidenum">
               <a:rPr lang="zh-TW" altLang="en-US" smtClean="0"/>
+              <a:pPr/>
               <a:t>‹#›</a:t>
             </a:fld>
             <a:endParaRPr lang="zh-TW" altLang="en-US"/>
@@ -911,7 +913,7 @@
             <a:fld id="{5BBEAD13-0566-4C6C-97E7-55F17F24B09F}" type="datetimeFigureOut">
               <a:rPr lang="zh-TW" altLang="en-US" smtClean="0"/>
               <a:pPr/>
-              <a:t>2015/11/4</a:t>
+              <a:t>2015/11/16</a:t>
             </a:fld>
             <a:endParaRPr lang="zh-TW" altLang="en-US"/>
           </a:p>
@@ -1078,7 +1080,7 @@
             <a:fld id="{5BBEAD13-0566-4C6C-97E7-55F17F24B09F}" type="datetimeFigureOut">
               <a:rPr lang="zh-TW" altLang="en-US" smtClean="0"/>
               <a:pPr/>
-              <a:t>2015/11/4</a:t>
+              <a:t>2015/11/16</a:t>
             </a:fld>
             <a:endParaRPr lang="zh-TW" altLang="en-US"/>
           </a:p>
@@ -1255,7 +1257,7 @@
             <a:fld id="{5BBEAD13-0566-4C6C-97E7-55F17F24B09F}" type="datetimeFigureOut">
               <a:rPr lang="zh-TW" altLang="en-US" smtClean="0"/>
               <a:pPr/>
-              <a:t>2015/11/4</a:t>
+              <a:t>2015/11/16</a:t>
             </a:fld>
             <a:endParaRPr lang="zh-TW" altLang="en-US"/>
           </a:p>
@@ -1422,7 +1424,7 @@
             <a:fld id="{5BBEAD13-0566-4C6C-97E7-55F17F24B09F}" type="datetimeFigureOut">
               <a:rPr lang="zh-TW" altLang="en-US" smtClean="0"/>
               <a:pPr/>
-              <a:t>2015/11/4</a:t>
+              <a:t>2015/11/16</a:t>
             </a:fld>
             <a:endParaRPr lang="zh-TW" altLang="en-US"/>
           </a:p>
@@ -1665,7 +1667,7 @@
             <a:fld id="{5BBEAD13-0566-4C6C-97E7-55F17F24B09F}" type="datetimeFigureOut">
               <a:rPr lang="zh-TW" altLang="en-US" smtClean="0"/>
               <a:pPr/>
-              <a:t>2015/11/4</a:t>
+              <a:t>2015/11/16</a:t>
             </a:fld>
             <a:endParaRPr lang="zh-TW" altLang="en-US"/>
           </a:p>
@@ -1950,7 +1952,7 @@
             <a:fld id="{5BBEAD13-0566-4C6C-97E7-55F17F24B09F}" type="datetimeFigureOut">
               <a:rPr lang="zh-TW" altLang="en-US" smtClean="0"/>
               <a:pPr/>
-              <a:t>2015/11/4</a:t>
+              <a:t>2015/11/16</a:t>
             </a:fld>
             <a:endParaRPr lang="zh-TW" altLang="en-US"/>
           </a:p>
@@ -2369,7 +2371,7 @@
             <a:fld id="{5BBEAD13-0566-4C6C-97E7-55F17F24B09F}" type="datetimeFigureOut">
               <a:rPr lang="zh-TW" altLang="en-US" smtClean="0"/>
               <a:pPr/>
-              <a:t>2015/11/4</a:t>
+              <a:t>2015/11/16</a:t>
             </a:fld>
             <a:endParaRPr lang="zh-TW" altLang="en-US"/>
           </a:p>
@@ -2484,7 +2486,7 @@
             <a:fld id="{5BBEAD13-0566-4C6C-97E7-55F17F24B09F}" type="datetimeFigureOut">
               <a:rPr lang="zh-TW" altLang="en-US" smtClean="0"/>
               <a:pPr/>
-              <a:t>2015/11/4</a:t>
+              <a:t>2015/11/16</a:t>
             </a:fld>
             <a:endParaRPr lang="zh-TW" altLang="en-US"/>
           </a:p>
@@ -2576,7 +2578,7 @@
             <a:fld id="{5BBEAD13-0566-4C6C-97E7-55F17F24B09F}" type="datetimeFigureOut">
               <a:rPr lang="zh-TW" altLang="en-US" smtClean="0"/>
               <a:pPr/>
-              <a:t>2015/11/4</a:t>
+              <a:t>2015/11/16</a:t>
             </a:fld>
             <a:endParaRPr lang="zh-TW" altLang="en-US"/>
           </a:p>
@@ -2850,7 +2852,7 @@
             <a:fld id="{5BBEAD13-0566-4C6C-97E7-55F17F24B09F}" type="datetimeFigureOut">
               <a:rPr lang="zh-TW" altLang="en-US" smtClean="0"/>
               <a:pPr/>
-              <a:t>2015/11/4</a:t>
+              <a:t>2015/11/16</a:t>
             </a:fld>
             <a:endParaRPr lang="zh-TW" altLang="en-US"/>
           </a:p>
@@ -3100,7 +3102,7 @@
             <a:fld id="{5BBEAD13-0566-4C6C-97E7-55F17F24B09F}" type="datetimeFigureOut">
               <a:rPr lang="zh-TW" altLang="en-US" smtClean="0"/>
               <a:pPr/>
-              <a:t>2015/11/4</a:t>
+              <a:t>2015/11/16</a:t>
             </a:fld>
             <a:endParaRPr lang="zh-TW" altLang="en-US"/>
           </a:p>
@@ -3310,7 +3312,7 @@
             <a:fld id="{5BBEAD13-0566-4C6C-97E7-55F17F24B09F}" type="datetimeFigureOut">
               <a:rPr lang="zh-TW" altLang="en-US" smtClean="0"/>
               <a:pPr/>
-              <a:t>2015/11/4</a:t>
+              <a:t>2015/11/16</a:t>
             </a:fld>
             <a:endParaRPr lang="zh-TW" altLang="en-US"/>
           </a:p>
@@ -3683,19 +3685,46 @@
       </p:grpSpPr>
       <p:sp>
         <p:nvSpPr>
-          <p:cNvPr id="2" name="標題 1"/>
-          <p:cNvSpPr>
-            <a:spLocks noGrp="1"/>
-          </p:cNvSpPr>
-          <p:nvPr>
-            <p:ph type="ctrTitle"/>
-          </p:nvPr>
-        </p:nvSpPr>
-        <p:spPr/>
-        <p:txBody>
-          <a:bodyPr/>
+          <p:cNvPr id="7" name="矩形 6"/>
+          <p:cNvSpPr/>
+          <p:nvPr/>
+        </p:nvSpPr>
+        <p:spPr>
+          <a:xfrm>
+            <a:off x="0" y="0"/>
+            <a:ext cx="9144000" cy="3284984"/>
+          </a:xfrm>
+          <a:prstGeom prst="rect">
+            <a:avLst/>
+          </a:prstGeom>
+          <a:solidFill>
+            <a:srgbClr val="42AA93"/>
+          </a:solidFill>
+          <a:ln>
+            <a:noFill/>
+          </a:ln>
+        </p:spPr>
+        <p:style>
+          <a:lnRef idx="2">
+            <a:schemeClr val="accent1">
+              <a:shade val="50000"/>
+            </a:schemeClr>
+          </a:lnRef>
+          <a:fillRef idx="1">
+            <a:schemeClr val="accent1"/>
+          </a:fillRef>
+          <a:effectRef idx="0">
+            <a:schemeClr val="accent1"/>
+          </a:effectRef>
+          <a:fontRef idx="minor">
+            <a:schemeClr val="lt1"/>
+          </a:fontRef>
+        </p:style>
+        <p:txBody>
+          <a:bodyPr rtlCol="0" anchor="ctr"/>
           <a:lstStyle/>
           <a:p>
+            <a:pPr algn="ctr"/>
             <a:endParaRPr lang="zh-TW" altLang="en-US"/>
           </a:p>
         </p:txBody>
@@ -3854,7 +3883,7 @@
                 <a:ea typeface="微軟正黑體" pitchFamily="34" charset="-120"/>
                 <a:cs typeface="+mj-cs"/>
               </a:rPr>
-              <a:t>企畫書</a:t>
+              <a:t>企劃書</a:t>
             </a:r>
             <a:endParaRPr kumimoji="0" lang="zh-TW" altLang="en-US" sz="4400" b="1" i="0" u="none" strike="noStrike" kern="1200" cap="none" spc="0" normalizeH="0" baseline="0" noProof="0" dirty="0">
               <a:ln>
@@ -3890,8 +3919,8 @@
         </p:blipFill>
         <p:spPr bwMode="auto">
           <a:xfrm>
-            <a:off x="0" y="0"/>
-            <a:ext cx="9144000" cy="3284984"/>
+            <a:off x="2411760" y="476672"/>
+            <a:ext cx="3816424" cy="2592288"/>
           </a:xfrm>
           <a:prstGeom prst="rect">
             <a:avLst/>
@@ -8412,27 +8441,7 @@
                 <a:latin typeface="微軟正黑體" pitchFamily="34" charset="-120"/>
                 <a:ea typeface="微軟正黑體" pitchFamily="34" charset="-120"/>
               </a:rPr>
-              <a:t>應</a:t>
-            </a:r>
-            <a:r>
-              <a:rPr kumimoji="1" lang="zh-TW" altLang="en-US" sz="2800" b="1" kern="0" dirty="0" smtClean="0">
-                <a:solidFill>
-                  <a:srgbClr val="000000"/>
-                </a:solidFill>
-                <a:latin typeface="微軟正黑體" pitchFamily="34" charset="-120"/>
-                <a:ea typeface="微軟正黑體" pitchFamily="34" charset="-120"/>
-              </a:rPr>
-              <a:t>更有</a:t>
-            </a:r>
-            <a:r>
-              <a:rPr kumimoji="1" lang="zh-TW" altLang="en-US" sz="2800" b="1" kern="0" dirty="0" smtClean="0">
-                <a:solidFill>
-                  <a:srgbClr val="000000"/>
-                </a:solidFill>
-                <a:latin typeface="微軟正黑體" pitchFamily="34" charset="-120"/>
-                <a:ea typeface="微軟正黑體" pitchFamily="34" charset="-120"/>
-              </a:rPr>
-              <a:t>效率</a:t>
+              <a:t>應更有效率</a:t>
             </a:r>
             <a:endParaRPr kumimoji="1" lang="en-US" altLang="zh-TW" sz="2800" b="1" kern="0" dirty="0" smtClean="0">
               <a:solidFill>
@@ -8491,47 +8500,7 @@
                 <a:latin typeface="微軟正黑體" pitchFamily="34" charset="-120"/>
                 <a:ea typeface="微軟正黑體" pitchFamily="34" charset="-120"/>
               </a:rPr>
-              <a:t>消費者來</a:t>
-            </a:r>
-            <a:r>
-              <a:rPr kumimoji="1" lang="zh-TW" altLang="en-US" sz="2400" b="1" kern="0" dirty="0" smtClean="0">
-                <a:solidFill>
-                  <a:srgbClr val="0000FF"/>
-                </a:solidFill>
-                <a:latin typeface="微軟正黑體" pitchFamily="34" charset="-120"/>
-                <a:ea typeface="微軟正黑體" pitchFamily="34" charset="-120"/>
-              </a:rPr>
-              <a:t>店瞭解商品</a:t>
-            </a:r>
-            <a:r>
-              <a:rPr kumimoji="1" lang="zh-TW" altLang="en-US" sz="2400" b="1" kern="0" dirty="0" smtClean="0">
-                <a:solidFill>
-                  <a:srgbClr val="0000FF"/>
-                </a:solidFill>
-                <a:latin typeface="微軟正黑體" pitchFamily="34" charset="-120"/>
-                <a:ea typeface="微軟正黑體" pitchFamily="34" charset="-120"/>
-              </a:rPr>
-              <a:t>，再透過網路</a:t>
-            </a:r>
-            <a:r>
-              <a:rPr kumimoji="1" lang="zh-TW" altLang="en-US" sz="2400" b="1" kern="0" dirty="0" smtClean="0">
-                <a:solidFill>
-                  <a:srgbClr val="0000FF"/>
-                </a:solidFill>
-                <a:latin typeface="微軟正黑體" pitchFamily="34" charset="-120"/>
-                <a:ea typeface="微軟正黑體" pitchFamily="34" charset="-120"/>
-              </a:rPr>
-              <a:t>比價與</a:t>
-            </a:r>
-            <a:r>
-              <a:rPr kumimoji="1" lang="zh-TW" altLang="en-US" sz="2400" b="1" kern="0" dirty="0" smtClean="0">
-                <a:solidFill>
-                  <a:srgbClr val="0000FF"/>
-                </a:solidFill>
-                <a:latin typeface="微軟正黑體" pitchFamily="34" charset="-120"/>
-                <a:ea typeface="微軟正黑體" pitchFamily="34" charset="-120"/>
-              </a:rPr>
-              <a:t>下單</a:t>
+              <a:t>消費者來店瞭解商品，再透過網路比價與下單</a:t>
             </a:r>
             <a:endParaRPr kumimoji="1" lang="en-US" altLang="zh-TW" sz="2400" b="1" kern="0" dirty="0" smtClean="0">
               <a:solidFill>
@@ -8567,17 +8536,7 @@
                 <a:latin typeface="微軟正黑體" pitchFamily="34" charset="-120"/>
                 <a:ea typeface="微軟正黑體" pitchFamily="34" charset="-120"/>
               </a:rPr>
-              <a:t>無實體店面交易迅速且發展</a:t>
-            </a:r>
-            <a:r>
-              <a:rPr kumimoji="1" lang="zh-TW" altLang="en-US" sz="2400" b="1" kern="0" dirty="0" smtClean="0">
-                <a:solidFill>
-                  <a:srgbClr val="0000FF"/>
-                </a:solidFill>
-                <a:latin typeface="微軟正黑體" pitchFamily="34" charset="-120"/>
-                <a:ea typeface="微軟正黑體" pitchFamily="34" charset="-120"/>
-              </a:rPr>
-              <a:t>快速</a:t>
+              <a:t>無實體店面交易迅速且發展快速</a:t>
             </a:r>
             <a:endParaRPr kumimoji="1" lang="en-US" altLang="zh-TW" sz="2400" b="1" kern="0" dirty="0" smtClean="0">
               <a:solidFill>
@@ -8613,37 +8572,7 @@
                 <a:latin typeface="微軟正黑體" pitchFamily="34" charset="-120"/>
                 <a:ea typeface="微軟正黑體" pitchFamily="34" charset="-120"/>
               </a:rPr>
-              <a:t>虛擬通路成熟與安全</a:t>
-            </a:r>
-            <a:r>
-              <a:rPr kumimoji="1" lang="zh-TW" altLang="en-US" sz="2400" b="1" kern="0" dirty="0" smtClean="0">
-                <a:solidFill>
-                  <a:srgbClr val="0000FF"/>
-                </a:solidFill>
-                <a:latin typeface="微軟正黑體" pitchFamily="34" charset="-120"/>
-                <a:ea typeface="微軟正黑體" pitchFamily="34" charset="-120"/>
-              </a:rPr>
-              <a:t>性，加快</a:t>
-            </a:r>
-            <a:r>
-              <a:rPr kumimoji="1" lang="zh-TW" altLang="en-US" sz="2400" b="1" kern="0" dirty="0" smtClean="0">
-                <a:solidFill>
-                  <a:srgbClr val="0000FF"/>
-                </a:solidFill>
-                <a:latin typeface="微軟正黑體" pitchFamily="34" charset="-120"/>
-                <a:ea typeface="微軟正黑體" pitchFamily="34" charset="-120"/>
-              </a:rPr>
-              <a:t>網路交易的</a:t>
-            </a:r>
-            <a:r>
-              <a:rPr kumimoji="1" lang="zh-TW" altLang="en-US" sz="2400" b="1" kern="0" dirty="0" smtClean="0">
-                <a:solidFill>
-                  <a:srgbClr val="0000FF"/>
-                </a:solidFill>
-                <a:latin typeface="微軟正黑體" pitchFamily="34" charset="-120"/>
-                <a:ea typeface="微軟正黑體" pitchFamily="34" charset="-120"/>
-              </a:rPr>
-              <a:t>發展</a:t>
+              <a:t>虛擬通路成熟與安全性，加快網路交易的發展</a:t>
             </a:r>
             <a:endParaRPr kumimoji="1" lang="en-US" altLang="zh-TW" sz="2400" b="1" kern="0" dirty="0" smtClean="0">
               <a:solidFill>
@@ -8679,17 +8608,7 @@
                 <a:latin typeface="微軟正黑體" pitchFamily="34" charset="-120"/>
                 <a:ea typeface="微軟正黑體" pitchFamily="34" charset="-120"/>
               </a:rPr>
-              <a:t>行動消費</a:t>
-            </a:r>
-            <a:r>
-              <a:rPr kumimoji="1" lang="zh-TW" altLang="en-US" sz="2400" b="1" kern="0" dirty="0" smtClean="0">
-                <a:solidFill>
-                  <a:srgbClr val="0000FF"/>
-                </a:solidFill>
-                <a:latin typeface="微軟正黑體" pitchFamily="34" charset="-120"/>
-                <a:ea typeface="微軟正黑體" pitchFamily="34" charset="-120"/>
-              </a:rPr>
-              <a:t>模式漸成主流</a:t>
+              <a:t>行動消費模式漸成主流</a:t>
             </a:r>
             <a:endParaRPr kumimoji="1" lang="en-US" altLang="zh-TW" sz="2400" b="1" kern="0" dirty="0" smtClean="0">
               <a:latin typeface="微軟正黑體" pitchFamily="34" charset="-120"/>
@@ -10034,13 +9953,6 @@
               </a:rPr>
               <a:t>消費者必需親臨門店提出需求</a:t>
             </a:r>
-            <a:endParaRPr kumimoji="1" lang="zh-TW" altLang="en-US" sz="2400" b="1" kern="0" dirty="0" smtClean="0">
-              <a:solidFill>
-                <a:srgbClr val="FF3300"/>
-              </a:solidFill>
-              <a:latin typeface="微軟正黑體" pitchFamily="34" charset="-120"/>
-              <a:ea typeface="微軟正黑體" pitchFamily="34" charset="-120"/>
-            </a:endParaRPr>
           </a:p>
           <a:p>
             <a:pPr marL="800100" lvl="1" indent="-342900" fontAlgn="base">
@@ -10262,25 +10174,8 @@
                 <a:latin typeface="微軟正黑體" pitchFamily="34" charset="-120"/>
                 <a:ea typeface="微軟正黑體" pitchFamily="34" charset="-120"/>
               </a:rPr>
-              <a:t>幫手</a:t>
-            </a:r>
-            <a:r>
-              <a:rPr kumimoji="1" lang="zh-TW" altLang="en-US" sz="2400" b="1" kern="0" dirty="0" smtClean="0">
-                <a:solidFill>
-                  <a:srgbClr val="0000FF"/>
-                </a:solidFill>
-                <a:latin typeface="微軟正黑體" pitchFamily="34" charset="-120"/>
-                <a:ea typeface="微軟正黑體" pitchFamily="34" charset="-120"/>
-              </a:rPr>
-              <a:t>之間無競爭壓力，服務品質難再升</a:t>
-            </a:r>
-            <a:endParaRPr kumimoji="1" lang="zh-TW" altLang="en-US" sz="2400" b="1" kern="0" dirty="0" smtClean="0">
-              <a:solidFill>
-                <a:srgbClr val="0000FF"/>
-              </a:solidFill>
-              <a:latin typeface="微軟正黑體" pitchFamily="34" charset="-120"/>
-              <a:ea typeface="微軟正黑體" pitchFamily="34" charset="-120"/>
-            </a:endParaRPr>
+              <a:t>幫手之間無競爭壓力，服務品質難再升</a:t>
+            </a:r>
           </a:p>
           <a:p>
             <a:pPr marL="800100" lvl="1" indent="-342900" fontAlgn="base">
@@ -10474,17 +10369,7 @@
                 <a:latin typeface="微軟正黑體" pitchFamily="34" charset="-120"/>
                 <a:ea typeface="微軟正黑體" pitchFamily="34" charset="-120"/>
               </a:rPr>
-              <a:t> </a:t>
-            </a:r>
-            <a:r>
-              <a:rPr lang="zh-TW" altLang="en-US" sz="3200" b="1" dirty="0" smtClean="0">
-                <a:solidFill>
-                  <a:schemeClr val="bg1"/>
-                </a:solidFill>
-                <a:latin typeface="微軟正黑體" pitchFamily="34" charset="-120"/>
-                <a:ea typeface="微軟正黑體" pitchFamily="34" charset="-120"/>
-              </a:rPr>
-              <a:t>消費者與幫手</a:t>
+              <a:t> 消費者與幫手</a:t>
             </a:r>
             <a:r>
               <a:rPr lang="en-US" altLang="zh-TW" sz="3200" b="1" dirty="0" smtClean="0">
@@ -10602,13 +10487,6 @@
               </a:rPr>
               <a:t>App</a:t>
             </a:r>
-            <a:endParaRPr kumimoji="1" lang="en-US" altLang="zh-TW" sz="2800" b="1" kern="0" dirty="0" smtClean="0">
-              <a:solidFill>
-                <a:srgbClr val="000000"/>
-              </a:solidFill>
-              <a:latin typeface="微軟正黑體" pitchFamily="34" charset="-120"/>
-              <a:ea typeface="微軟正黑體" pitchFamily="34" charset="-120"/>
-            </a:endParaRPr>
           </a:p>
           <a:p>
             <a:pPr marL="800100" lvl="1" indent="-342900" fontAlgn="base">
@@ -10846,17 +10724,7 @@
                 <a:latin typeface="微軟正黑體" pitchFamily="34" charset="-120"/>
                 <a:ea typeface="微軟正黑體" pitchFamily="34" charset="-120"/>
               </a:rPr>
-              <a:t>就近</a:t>
-            </a:r>
-            <a:r>
-              <a:rPr kumimoji="1" lang="zh-TW" altLang="en-US" sz="2400" b="1" kern="0" dirty="0" smtClean="0">
-                <a:solidFill>
-                  <a:srgbClr val="0000FF"/>
-                </a:solidFill>
-                <a:latin typeface="微軟正黑體" pitchFamily="34" charset="-120"/>
-                <a:ea typeface="微軟正黑體" pitchFamily="34" charset="-120"/>
-              </a:rPr>
-              <a:t>主動接單</a:t>
+              <a:t>就近主動接單</a:t>
             </a:r>
             <a:endParaRPr kumimoji="1" lang="en-US" altLang="zh-TW" sz="2400" b="1" kern="0" dirty="0" smtClean="0">
               <a:solidFill>
@@ -10892,37 +10760,7 @@
                 <a:latin typeface="微軟正黑體" pitchFamily="34" charset="-120"/>
                 <a:ea typeface="微軟正黑體" pitchFamily="34" charset="-120"/>
               </a:rPr>
-              <a:t>透過</a:t>
-            </a:r>
-            <a:r>
-              <a:rPr kumimoji="1" lang="zh-TW" altLang="en-US" sz="2400" b="1" kern="0" dirty="0" smtClean="0">
-                <a:solidFill>
-                  <a:srgbClr val="0000FF"/>
-                </a:solidFill>
-                <a:latin typeface="微軟正黑體" pitchFamily="34" charset="-120"/>
-                <a:ea typeface="微軟正黑體" pitchFamily="34" charset="-120"/>
-              </a:rPr>
-              <a:t>平台</a:t>
-            </a:r>
-            <a:r>
-              <a:rPr kumimoji="1" lang="zh-TW" altLang="en-US" sz="2400" b="1" kern="0" dirty="0" smtClean="0">
-                <a:solidFill>
-                  <a:srgbClr val="0000FF"/>
-                </a:solidFill>
-                <a:latin typeface="微軟正黑體" pitchFamily="34" charset="-120"/>
-                <a:ea typeface="微軟正黑體" pitchFamily="34" charset="-120"/>
-              </a:rPr>
-              <a:t>審核幫手再上</a:t>
-            </a:r>
-            <a:r>
-              <a:rPr kumimoji="1" lang="zh-TW" altLang="en-US" sz="2400" b="1" kern="0" dirty="0" smtClean="0">
-                <a:solidFill>
-                  <a:srgbClr val="0000FF"/>
-                </a:solidFill>
-                <a:latin typeface="微軟正黑體" pitchFamily="34" charset="-120"/>
-                <a:ea typeface="微軟正黑體" pitchFamily="34" charset="-120"/>
-              </a:rPr>
-              <a:t>架、品質有保障</a:t>
+              <a:t>透過平台審核幫手再上架、品質有保障</a:t>
             </a:r>
             <a:endParaRPr kumimoji="1" lang="en-US" altLang="zh-TW" sz="2400" b="1" kern="0" dirty="0" smtClean="0">
               <a:solidFill>
@@ -11124,17 +10962,7 @@
                 <a:latin typeface="微軟正黑體" pitchFamily="34" charset="-120"/>
                 <a:ea typeface="微軟正黑體" pitchFamily="34" charset="-120"/>
               </a:rPr>
-              <a:t> </a:t>
-            </a:r>
-            <a:r>
-              <a:rPr lang="zh-TW" altLang="en-US" sz="3200" b="1" dirty="0" smtClean="0">
-                <a:solidFill>
-                  <a:schemeClr val="bg1"/>
-                </a:solidFill>
-                <a:latin typeface="微軟正黑體" pitchFamily="34" charset="-120"/>
-                <a:ea typeface="微軟正黑體" pitchFamily="34" charset="-120"/>
-              </a:rPr>
-              <a:t>消費者與幫手</a:t>
+              <a:t> 消費者與幫手</a:t>
             </a:r>
             <a:r>
               <a:rPr lang="en-US" altLang="zh-TW" sz="3200" b="1" dirty="0" smtClean="0">
@@ -11333,13 +11161,6 @@
               </a:rPr>
               <a:t>App</a:t>
             </a:r>
-            <a:endParaRPr kumimoji="1" lang="en-US" altLang="zh-TW" sz="2400" b="1" kern="0" dirty="0" smtClean="0">
-              <a:solidFill>
-                <a:srgbClr val="0000FF"/>
-              </a:solidFill>
-              <a:latin typeface="微軟正黑體" pitchFamily="34" charset="-120"/>
-              <a:ea typeface="微軟正黑體" pitchFamily="34" charset="-120"/>
-            </a:endParaRPr>
           </a:p>
         </p:txBody>
       </p:sp>
@@ -12901,47 +12722,7 @@
                 <a:latin typeface="微軟正黑體" pitchFamily="34" charset="-120"/>
                 <a:ea typeface="微軟正黑體" pitchFamily="34" charset="-120"/>
               </a:rPr>
-              <a:t>幫手會員第一</a:t>
-            </a:r>
-            <a:r>
-              <a:rPr kumimoji="1" lang="zh-TW" altLang="en-US" sz="2400" b="1" kern="0" dirty="0" smtClean="0">
-                <a:solidFill>
-                  <a:srgbClr val="0000FF"/>
-                </a:solidFill>
-                <a:latin typeface="微軟正黑體" pitchFamily="34" charset="-120"/>
-                <a:ea typeface="微軟正黑體" pitchFamily="34" charset="-120"/>
-              </a:rPr>
-              <a:t>年免費</a:t>
-            </a:r>
-            <a:r>
-              <a:rPr kumimoji="1" lang="zh-TW" altLang="en-US" sz="2400" b="1" kern="0" dirty="0" smtClean="0">
-                <a:solidFill>
-                  <a:srgbClr val="0000FF"/>
-                </a:solidFill>
-                <a:latin typeface="微軟正黑體" pitchFamily="34" charset="-120"/>
-                <a:ea typeface="微軟正黑體" pitchFamily="34" charset="-120"/>
-              </a:rPr>
-              <a:t>，一</a:t>
-            </a:r>
-            <a:r>
-              <a:rPr kumimoji="1" lang="zh-TW" altLang="en-US" sz="2400" b="1" kern="0" dirty="0" smtClean="0">
-                <a:solidFill>
-                  <a:srgbClr val="0000FF"/>
-                </a:solidFill>
-                <a:latin typeface="微軟正黑體" pitchFamily="34" charset="-120"/>
-                <a:ea typeface="微軟正黑體" pitchFamily="34" charset="-120"/>
-              </a:rPr>
-              <a:t>年後以年費的方式</a:t>
-            </a:r>
-            <a:r>
-              <a:rPr kumimoji="1" lang="zh-TW" altLang="en-US" sz="2400" b="1" kern="0" dirty="0" smtClean="0">
-                <a:solidFill>
-                  <a:srgbClr val="0000FF"/>
-                </a:solidFill>
-                <a:latin typeface="微軟正黑體" pitchFamily="34" charset="-120"/>
-                <a:ea typeface="微軟正黑體" pitchFamily="34" charset="-120"/>
-              </a:rPr>
-              <a:t>收費</a:t>
+              <a:t>幫手會員第一年免費，一年後以年費的方式收費</a:t>
             </a:r>
             <a:endParaRPr kumimoji="1" lang="en-US" altLang="zh-TW" sz="2400" b="1" kern="0" dirty="0" smtClean="0">
               <a:solidFill>
@@ -13601,14 +13382,7 @@
                 <a:latin typeface="微軟正黑體" pitchFamily="34" charset="-120"/>
                 <a:ea typeface="微軟正黑體" pitchFamily="34" charset="-120"/>
               </a:rPr>
-              <a:t>提出</a:t>
-            </a:r>
-            <a:r>
-              <a:rPr lang="zh-TW" altLang="en-US" sz="2800" dirty="0" smtClean="0">
-                <a:latin typeface="微軟正黑體" pitchFamily="34" charset="-120"/>
-                <a:ea typeface="微軟正黑體" pitchFamily="34" charset="-120"/>
-              </a:rPr>
-              <a:t>需求</a:t>
+              <a:t>提出需求</a:t>
             </a:r>
             <a:endParaRPr lang="en-US" altLang="zh-TW" sz="2800" dirty="0" smtClean="0">
               <a:latin typeface="微軟正黑體" pitchFamily="34" charset="-120"/>
@@ -13640,14 +13414,7 @@
                 <a:latin typeface="微軟正黑體" pitchFamily="34" charset="-120"/>
                 <a:ea typeface="微軟正黑體" pitchFamily="34" charset="-120"/>
               </a:rPr>
-              <a:t> </a:t>
-            </a:r>
-            <a:r>
-              <a:rPr lang="zh-TW" altLang="en-US" sz="2800" dirty="0" smtClean="0">
-                <a:latin typeface="微軟正黑體" pitchFamily="34" charset="-120"/>
-                <a:ea typeface="微軟正黑體" pitchFamily="34" charset="-120"/>
-              </a:rPr>
-              <a:t>提供服務</a:t>
+              <a:t> 提供服務</a:t>
             </a:r>
             <a:endParaRPr lang="en-US" altLang="zh-TW" sz="2800" dirty="0" smtClean="0">
               <a:latin typeface="微軟正黑體" pitchFamily="34" charset="-120"/>
